--- a/03_RESTPozivi/03 REST Pozivi.pptx
+++ b/03_RESTPozivi/03 REST Pozivi.pptx
@@ -311,7 +311,7 @@
           <a:p>
             <a:fld id="{2986D4BE-532F-443B-99AA-016C229502D5}" type="datetimeFigureOut">
               <a:rPr lang="en-GB" smtClean="0"/>
-              <a:t>25/04/2016</a:t>
+              <a:t>27/04/2016</a:t>
             </a:fld>
             <a:endParaRPr lang="en-GB"/>
           </a:p>
@@ -481,7 +481,7 @@
           <a:p>
             <a:fld id="{2986D4BE-532F-443B-99AA-016C229502D5}" type="datetimeFigureOut">
               <a:rPr lang="en-GB" smtClean="0"/>
-              <a:t>25/04/2016</a:t>
+              <a:t>27/04/2016</a:t>
             </a:fld>
             <a:endParaRPr lang="en-GB"/>
           </a:p>
@@ -661,7 +661,7 @@
           <a:p>
             <a:fld id="{2986D4BE-532F-443B-99AA-016C229502D5}" type="datetimeFigureOut">
               <a:rPr lang="en-GB" smtClean="0"/>
-              <a:t>25/04/2016</a:t>
+              <a:t>27/04/2016</a:t>
             </a:fld>
             <a:endParaRPr lang="en-GB"/>
           </a:p>
@@ -831,7 +831,7 @@
           <a:p>
             <a:fld id="{2986D4BE-532F-443B-99AA-016C229502D5}" type="datetimeFigureOut">
               <a:rPr lang="en-GB" smtClean="0"/>
-              <a:t>25/04/2016</a:t>
+              <a:t>27/04/2016</a:t>
             </a:fld>
             <a:endParaRPr lang="en-GB"/>
           </a:p>
@@ -1077,7 +1077,7 @@
           <a:p>
             <a:fld id="{2986D4BE-532F-443B-99AA-016C229502D5}" type="datetimeFigureOut">
               <a:rPr lang="en-GB" smtClean="0"/>
-              <a:t>25/04/2016</a:t>
+              <a:t>27/04/2016</a:t>
             </a:fld>
             <a:endParaRPr lang="en-GB"/>
           </a:p>
@@ -1365,7 +1365,7 @@
           <a:p>
             <a:fld id="{2986D4BE-532F-443B-99AA-016C229502D5}" type="datetimeFigureOut">
               <a:rPr lang="en-GB" smtClean="0"/>
-              <a:t>25/04/2016</a:t>
+              <a:t>27/04/2016</a:t>
             </a:fld>
             <a:endParaRPr lang="en-GB"/>
           </a:p>
@@ -1787,7 +1787,7 @@
           <a:p>
             <a:fld id="{2986D4BE-532F-443B-99AA-016C229502D5}" type="datetimeFigureOut">
               <a:rPr lang="en-GB" smtClean="0"/>
-              <a:t>25/04/2016</a:t>
+              <a:t>27/04/2016</a:t>
             </a:fld>
             <a:endParaRPr lang="en-GB"/>
           </a:p>
@@ -1905,7 +1905,7 @@
           <a:p>
             <a:fld id="{2986D4BE-532F-443B-99AA-016C229502D5}" type="datetimeFigureOut">
               <a:rPr lang="en-GB" smtClean="0"/>
-              <a:t>25/04/2016</a:t>
+              <a:t>27/04/2016</a:t>
             </a:fld>
             <a:endParaRPr lang="en-GB"/>
           </a:p>
@@ -2000,7 +2000,7 @@
           <a:p>
             <a:fld id="{2986D4BE-532F-443B-99AA-016C229502D5}" type="datetimeFigureOut">
               <a:rPr lang="en-GB" smtClean="0"/>
-              <a:t>25/04/2016</a:t>
+              <a:t>27/04/2016</a:t>
             </a:fld>
             <a:endParaRPr lang="en-GB"/>
           </a:p>
@@ -2277,7 +2277,7 @@
           <a:p>
             <a:fld id="{2986D4BE-532F-443B-99AA-016C229502D5}" type="datetimeFigureOut">
               <a:rPr lang="en-GB" smtClean="0"/>
-              <a:t>25/04/2016</a:t>
+              <a:t>27/04/2016</a:t>
             </a:fld>
             <a:endParaRPr lang="en-GB"/>
           </a:p>
@@ -2530,7 +2530,7 @@
           <a:p>
             <a:fld id="{2986D4BE-532F-443B-99AA-016C229502D5}" type="datetimeFigureOut">
               <a:rPr lang="en-GB" smtClean="0"/>
-              <a:t>25/04/2016</a:t>
+              <a:t>27/04/2016</a:t>
             </a:fld>
             <a:endParaRPr lang="en-GB"/>
           </a:p>
@@ -2743,7 +2743,7 @@
           <a:p>
             <a:fld id="{2986D4BE-532F-443B-99AA-016C229502D5}" type="datetimeFigureOut">
               <a:rPr lang="en-GB" smtClean="0"/>
-              <a:t>25/04/2016</a:t>
+              <a:t>27/04/2016</a:t>
             </a:fld>
             <a:endParaRPr lang="en-GB"/>
           </a:p>
@@ -3253,22 +3253,38 @@
             <a:pPr lvl="1"/>
             <a:r>
               <a:rPr lang="sr-Latn-RS" dirty="0" smtClean="0"/>
-              <a:t>Metode na nivou konstruktora (klase): kao statičke metode. Ove metode su namenjene za rad sa kolekcijama objekata i situacije u kojima nije kreiran objekat</a:t>
+              <a:t>Metode na nivou konstruktora </a:t>
+            </a:r>
+            <a:r>
+              <a:rPr lang="sr-Latn-RS" dirty="0" smtClean="0"/>
+              <a:t>(</a:t>
+            </a:r>
+            <a:r>
+              <a:rPr lang="en-GB" dirty="0" smtClean="0"/>
+              <a:t>“</a:t>
+            </a:r>
+            <a:r>
+              <a:rPr lang="sr-Latn-RS" dirty="0" smtClean="0"/>
+              <a:t>klase</a:t>
+            </a:r>
+            <a:r>
+              <a:rPr lang="en-GB" dirty="0" smtClean="0"/>
+              <a:t>”</a:t>
+            </a:r>
+            <a:r>
+              <a:rPr lang="sr-Latn-RS" dirty="0" smtClean="0"/>
+              <a:t>): </a:t>
+            </a:r>
+            <a:r>
+              <a:rPr lang="sr-Latn-RS" dirty="0" smtClean="0"/>
+              <a:t>kao statičke metode. Ove metode su namenjene za rad sa kolekcijama objekata i situacije u kojima nije kreiran objekat</a:t>
             </a:r>
           </a:p>
           <a:p>
             <a:pPr lvl="1"/>
             <a:r>
               <a:rPr lang="sr-Latn-RS" dirty="0" smtClean="0"/>
-              <a:t>Metode na nivou instance (objekta): koristimo ih </a:t>
-            </a:r>
-            <a:r>
-              <a:rPr lang="sr-Latn-RS" smtClean="0"/>
-              <a:t>kada radimo sa </a:t>
-            </a:r>
-            <a:r>
-              <a:rPr lang="sr-Latn-RS" dirty="0" smtClean="0"/>
-              <a:t>jednim konkretnim resursom</a:t>
+              <a:t>Metode na nivou instance (objekta): koristimo ih kada radimo sa jednim konkretnim resursom</a:t>
             </a:r>
           </a:p>
           <a:p>
@@ -4184,13 +4200,33 @@
         <p:spPr/>
         <p:txBody>
           <a:bodyPr>
-            <a:normAutofit fontScale="85000" lnSpcReduction="10000"/>
+            <a:normAutofit fontScale="85000" lnSpcReduction="20000"/>
           </a:bodyPr>
           <a:lstStyle/>
           <a:p>
             <a:r>
               <a:rPr lang="sr-Latn-RS" dirty="0" smtClean="0"/>
-              <a:t>Navede se treći parametar u pozivu $resource fabrike</a:t>
+              <a:t>Navede </a:t>
+            </a:r>
+            <a:r>
+              <a:rPr lang="sr-Latn-RS" dirty="0" smtClean="0"/>
+              <a:t>se</a:t>
+            </a:r>
+            <a:r>
+              <a:rPr lang="en-GB" dirty="0" smtClean="0"/>
+              <a:t> </a:t>
+            </a:r>
+            <a:r>
+              <a:rPr lang="en-GB" dirty="0" err="1" smtClean="0"/>
+              <a:t>kao</a:t>
+            </a:r>
+            <a:r>
+              <a:rPr lang="sr-Latn-RS" dirty="0" smtClean="0"/>
+              <a:t> </a:t>
+            </a:r>
+            <a:r>
+              <a:rPr lang="sr-Latn-RS" dirty="0" smtClean="0"/>
+              <a:t>treći parametar u pozivu $resource fabrike</a:t>
             </a:r>
           </a:p>
           <a:p>
@@ -4306,7 +4342,23 @@
             <a:pPr lvl="1"/>
             <a:r>
               <a:rPr lang="sr-Latn-RS" dirty="0" smtClean="0"/>
-              <a:t>isArray: boolean vrednost, da se vraća niz objekata ili jedan objkat</a:t>
+              <a:t>isArray: boolean </a:t>
+            </a:r>
+            <a:r>
+              <a:rPr lang="sr-Latn-RS" dirty="0" smtClean="0"/>
+              <a:t>vrednost, da </a:t>
+            </a:r>
+            <a:r>
+              <a:rPr lang="en-GB" dirty="0" smtClean="0"/>
+              <a:t>li </a:t>
+            </a:r>
+            <a:r>
+              <a:rPr lang="sr-Latn-RS" dirty="0" smtClean="0"/>
+              <a:t>se </a:t>
+            </a:r>
+            <a:r>
+              <a:rPr lang="sr-Latn-RS" dirty="0" smtClean="0"/>
+              <a:t>vraća niz objekata ili jedan objkat</a:t>
             </a:r>
           </a:p>
           <a:p>
@@ -4590,14 +4642,7 @@
                 <a:latin typeface="Courier New" panose="02070309020205020404" pitchFamily="49" charset="0"/>
                 <a:cs typeface="Courier New" panose="02070309020205020404" pitchFamily="49" charset="0"/>
               </a:rPr>
-              <a:t>   $</a:t>
-            </a:r>
-            <a:r>
-              <a:rPr lang="sr-Latn-RS" sz="2800" dirty="0" smtClean="0">
-                <a:latin typeface="Courier New" panose="02070309020205020404" pitchFamily="49" charset="0"/>
-                <a:cs typeface="Courier New" panose="02070309020205020404" pitchFamily="49" charset="0"/>
-              </a:rPr>
-              <a:t>scope.</a:t>
+              <a:t>   $scope.</a:t>
             </a:r>
             <a:r>
               <a:rPr lang="en-GB" sz="2800" dirty="0" err="1" smtClean="0">
@@ -5110,11 +5155,7 @@
           <a:p>
             <a:r>
               <a:rPr lang="sr-Latn-RS" dirty="0" smtClean="0"/>
-              <a:t>$</a:t>
-            </a:r>
-            <a:r>
-              <a:rPr lang="sr-Latn-RS" dirty="0" smtClean="0"/>
-              <a:t>http</a:t>
+              <a:t>$http</a:t>
             </a:r>
           </a:p>
           <a:p>
@@ -5229,11 +5270,7 @@
           <a:p>
             <a:r>
               <a:rPr lang="sr-Latn-RS" dirty="0" smtClean="0"/>
-              <a:t>Kada stignu podaci sa </a:t>
-            </a:r>
-            <a:r>
-              <a:rPr lang="sr-Latn-RS" dirty="0" smtClean="0"/>
-              <a:t>server</a:t>
+              <a:t>Kada stignu podaci sa server</a:t>
             </a:r>
             <a:r>
               <a:rPr lang="en-GB" dirty="0" smtClean="0"/>
@@ -5241,11 +5278,7 @@
             </a:r>
             <a:r>
               <a:rPr lang="sr-Latn-RS" dirty="0" smtClean="0"/>
-              <a:t>, </a:t>
-            </a:r>
-            <a:r>
-              <a:rPr lang="sr-Latn-RS" dirty="0" smtClean="0"/>
-              <a:t>prazan niz se popuni pristiglim podacima</a:t>
+              <a:t>, prazan niz se popuni pristiglim podacima</a:t>
             </a:r>
           </a:p>
           <a:p>
@@ -5402,14 +5435,7 @@
                 <a:latin typeface="Courier New" panose="02070309020205020404" pitchFamily="49" charset="0"/>
                 <a:cs typeface="Courier New" panose="02070309020205020404" pitchFamily="49" charset="0"/>
               </a:rPr>
-              <a:t>console.log($scope</a:t>
-            </a:r>
-            <a:r>
-              <a:rPr lang="en-GB" sz="2400" dirty="0">
-                <a:latin typeface="Courier New" panose="02070309020205020404" pitchFamily="49" charset="0"/>
-                <a:cs typeface="Courier New" panose="02070309020205020404" pitchFamily="49" charset="0"/>
-              </a:rPr>
-              <a:t>. </a:t>
+              <a:t>console.log($scope. </a:t>
             </a:r>
             <a:r>
               <a:rPr lang="en-GB" sz="2400" dirty="0" err="1">
@@ -5521,11 +5547,7 @@
             </a:r>
             <a:r>
               <a:rPr lang="sr-Latn-RS" dirty="0" smtClean="0"/>
-              <a:t> </a:t>
-            </a:r>
-            <a:r>
-              <a:rPr lang="sr-Latn-RS" dirty="0" smtClean="0"/>
-              <a:t>je inicijalno prazan niz, jer još nisu stigli podaci</a:t>
+              <a:t> je inicijalno prazan niz, jer još nisu stigli podaci</a:t>
             </a:r>
           </a:p>
           <a:p>
@@ -6007,13 +6029,8 @@
           <a:p>
             <a:r>
               <a:rPr lang="sr-Latn-RS" dirty="0" smtClean="0"/>
-              <a:t>Koristili smo ga u </a:t>
-            </a:r>
-            <a:r>
-              <a:rPr lang="sr-Latn-RS" dirty="0" smtClean="0"/>
-              <a:t>uvodu</a:t>
-            </a:r>
-            <a:endParaRPr lang="sr-Latn-RS" dirty="0" smtClean="0"/>
+              <a:t>Koristili smo ga u uvodu</a:t>
+            </a:r>
           </a:p>
           <a:p>
             <a:r>
@@ -7159,11 +7176,7 @@
             </a:r>
             <a:r>
               <a:rPr lang="sr-Latn-RS" dirty="0" smtClean="0"/>
-              <a:t> (resursima) i </a:t>
-            </a:r>
-            <a:r>
-              <a:rPr lang="sr-Latn-RS" dirty="0" smtClean="0"/>
-              <a:t>metoda</a:t>
+              <a:t> (resursima) i metoda</a:t>
             </a:r>
             <a:r>
               <a:rPr lang="en-GB" dirty="0" smtClean="0"/>
@@ -7171,11 +7184,7 @@
             </a:r>
             <a:r>
               <a:rPr lang="sr-Latn-RS" dirty="0" smtClean="0"/>
-              <a:t>nad </a:t>
-            </a:r>
-            <a:r>
-              <a:rPr lang="sr-Latn-RS" dirty="0" smtClean="0"/>
-              <a:t>njima, umesto kroz HTTP zahteve i odgovore</a:t>
+              <a:t>nad njima, umesto kroz HTTP zahteve i odgovore</a:t>
             </a:r>
           </a:p>
           <a:p>
@@ -7357,15 +7366,7 @@
             </a:r>
             <a:r>
               <a:rPr lang="sr-Latn-RS" dirty="0" smtClean="0"/>
-              <a:t> </a:t>
-            </a:r>
-            <a:r>
-              <a:rPr lang="sr-Latn-RS" dirty="0" smtClean="0"/>
-              <a:t>sloj za komunikaciju sa serverom od </a:t>
-            </a:r>
-            <a:r>
-              <a:rPr lang="sr-Latn-RS" dirty="0" smtClean="0"/>
-              <a:t>kontrolera</a:t>
+              <a:t> sloj za komunikaciju sa serverom od kontrolera</a:t>
             </a:r>
             <a:endParaRPr lang="en-GB" dirty="0" smtClean="0"/>
           </a:p>
